--- a/ppt 16-9/0569.感谢神.pptx
+++ b/ppt 16-9/0569.感谢神.pptx
@@ -129,7 +129,7 @@
           <p:cNvPr id="2" name="标题 1">
             <a:extLst>
               <a:ext uri="{FF2B5EF4-FFF2-40B4-BE49-F238E27FC236}">
-                <a16:creationId xmlns:a16="http://schemas.microsoft.com/office/drawing/2014/main" id="{5321CBB9-1F3F-5E75-F191-221683374659}"/>
+                <a16:creationId xmlns:a16="http://schemas.microsoft.com/office/drawing/2014/main" id="{891A3CF9-BA1F-40C8-BF8B-C4C773E5E2A1}"/>
               </a:ext>
             </a:extLst>
           </p:cNvPr>
@@ -166,7 +166,7 @@
           <p:cNvPr id="3" name="副标题 2">
             <a:extLst>
               <a:ext uri="{FF2B5EF4-FFF2-40B4-BE49-F238E27FC236}">
-                <a16:creationId xmlns:a16="http://schemas.microsoft.com/office/drawing/2014/main" id="{25B2ACB1-77F9-8636-E19B-733F551497F0}"/>
+                <a16:creationId xmlns:a16="http://schemas.microsoft.com/office/drawing/2014/main" id="{31F826D7-F805-A1D9-07B5-69F4C20FC406}"/>
               </a:ext>
             </a:extLst>
           </p:cNvPr>
@@ -236,7 +236,7 @@
           <p:cNvPr id="4" name="日期占位符 3">
             <a:extLst>
               <a:ext uri="{FF2B5EF4-FFF2-40B4-BE49-F238E27FC236}">
-                <a16:creationId xmlns:a16="http://schemas.microsoft.com/office/drawing/2014/main" id="{2DE89064-843A-02EA-3424-E0E680FF84DB}"/>
+                <a16:creationId xmlns:a16="http://schemas.microsoft.com/office/drawing/2014/main" id="{029D6B32-A8E6-567C-2E8B-B1C3DE586C7D}"/>
               </a:ext>
             </a:extLst>
           </p:cNvPr>
@@ -252,7 +252,7 @@
           <a:bodyPr/>
           <a:lstStyle/>
           <a:p>
-            <a:fld id="{02C9FE2E-61FD-42D3-B397-4C007C15D8F9}" type="datetimeFigureOut">
+            <a:fld id="{15FFE01E-7363-41E5-8F76-B9684F44CB52}" type="datetimeFigureOut">
               <a:rPr lang="zh-CN" altLang="en-US" smtClean="0"/>
               <a:t>2024/3/10</a:t>
             </a:fld>
@@ -265,7 +265,7 @@
           <p:cNvPr id="5" name="页脚占位符 4">
             <a:extLst>
               <a:ext uri="{FF2B5EF4-FFF2-40B4-BE49-F238E27FC236}">
-                <a16:creationId xmlns:a16="http://schemas.microsoft.com/office/drawing/2014/main" id="{513D2705-759A-A69D-E996-C609BBA1DE20}"/>
+                <a16:creationId xmlns:a16="http://schemas.microsoft.com/office/drawing/2014/main" id="{298BBDD3-42E0-549A-8370-719D5D937734}"/>
               </a:ext>
             </a:extLst>
           </p:cNvPr>
@@ -290,7 +290,7 @@
           <p:cNvPr id="6" name="灯片编号占位符 5">
             <a:extLst>
               <a:ext uri="{FF2B5EF4-FFF2-40B4-BE49-F238E27FC236}">
-                <a16:creationId xmlns:a16="http://schemas.microsoft.com/office/drawing/2014/main" id="{7242AF9C-5610-E830-E9E8-B45EC5C4CAD2}"/>
+                <a16:creationId xmlns:a16="http://schemas.microsoft.com/office/drawing/2014/main" id="{6A8172D1-800A-D231-E246-22EC001FAB62}"/>
               </a:ext>
             </a:extLst>
           </p:cNvPr>
@@ -306,7 +306,7 @@
           <a:bodyPr/>
           <a:lstStyle/>
           <a:p>
-            <a:fld id="{F20B7E82-4AB4-441E-B17B-3EE15B1F1F59}" type="slidenum">
+            <a:fld id="{2FEC9D62-84DC-4DB2-A039-70E031D923C1}" type="slidenum">
               <a:rPr lang="zh-CN" altLang="en-US" smtClean="0"/>
               <a:t>‹#›</a:t>
             </a:fld>
@@ -317,7 +317,7 @@
     </p:spTree>
     <p:extLst>
       <p:ext uri="{BB962C8B-B14F-4D97-AF65-F5344CB8AC3E}">
-        <p14:creationId xmlns:p14="http://schemas.microsoft.com/office/powerpoint/2010/main" val="4076625343"/>
+        <p14:creationId xmlns:p14="http://schemas.microsoft.com/office/powerpoint/2010/main" val="1146809385"/>
       </p:ext>
     </p:extLst>
   </p:cSld>
@@ -349,7 +349,7 @@
           <p:cNvPr id="2" name="标题 1">
             <a:extLst>
               <a:ext uri="{FF2B5EF4-FFF2-40B4-BE49-F238E27FC236}">
-                <a16:creationId xmlns:a16="http://schemas.microsoft.com/office/drawing/2014/main" id="{F3421D55-156D-5FE5-3CEF-691378FD45AC}"/>
+                <a16:creationId xmlns:a16="http://schemas.microsoft.com/office/drawing/2014/main" id="{A6970274-998E-0F56-4422-2254D9B01445}"/>
               </a:ext>
             </a:extLst>
           </p:cNvPr>
@@ -377,7 +377,7 @@
           <p:cNvPr id="3" name="竖排文字占位符 2">
             <a:extLst>
               <a:ext uri="{FF2B5EF4-FFF2-40B4-BE49-F238E27FC236}">
-                <a16:creationId xmlns:a16="http://schemas.microsoft.com/office/drawing/2014/main" id="{5CC69484-894C-DC3B-2233-2B550A045759}"/>
+                <a16:creationId xmlns:a16="http://schemas.microsoft.com/office/drawing/2014/main" id="{F3A17EBD-D046-0FBF-69B7-93E7BC2F053F}"/>
               </a:ext>
             </a:extLst>
           </p:cNvPr>
@@ -434,7 +434,7 @@
           <p:cNvPr id="4" name="日期占位符 3">
             <a:extLst>
               <a:ext uri="{FF2B5EF4-FFF2-40B4-BE49-F238E27FC236}">
-                <a16:creationId xmlns:a16="http://schemas.microsoft.com/office/drawing/2014/main" id="{5B8DD834-0439-52A1-13E6-21FED255D250}"/>
+                <a16:creationId xmlns:a16="http://schemas.microsoft.com/office/drawing/2014/main" id="{3980E1BC-157C-3D07-B893-39FB265B6FF5}"/>
               </a:ext>
             </a:extLst>
           </p:cNvPr>
@@ -450,7 +450,7 @@
           <a:bodyPr/>
           <a:lstStyle/>
           <a:p>
-            <a:fld id="{02C9FE2E-61FD-42D3-B397-4C007C15D8F9}" type="datetimeFigureOut">
+            <a:fld id="{15FFE01E-7363-41E5-8F76-B9684F44CB52}" type="datetimeFigureOut">
               <a:rPr lang="zh-CN" altLang="en-US" smtClean="0"/>
               <a:t>2024/3/10</a:t>
             </a:fld>
@@ -463,7 +463,7 @@
           <p:cNvPr id="5" name="页脚占位符 4">
             <a:extLst>
               <a:ext uri="{FF2B5EF4-FFF2-40B4-BE49-F238E27FC236}">
-                <a16:creationId xmlns:a16="http://schemas.microsoft.com/office/drawing/2014/main" id="{88F59423-781E-1DC9-46B3-2C906F407857}"/>
+                <a16:creationId xmlns:a16="http://schemas.microsoft.com/office/drawing/2014/main" id="{E9D6D4ED-E26A-C91F-F7BF-7B525CC811B9}"/>
               </a:ext>
             </a:extLst>
           </p:cNvPr>
@@ -488,7 +488,7 @@
           <p:cNvPr id="6" name="灯片编号占位符 5">
             <a:extLst>
               <a:ext uri="{FF2B5EF4-FFF2-40B4-BE49-F238E27FC236}">
-                <a16:creationId xmlns:a16="http://schemas.microsoft.com/office/drawing/2014/main" id="{41642155-AA5B-7470-8218-CCD760FACE3E}"/>
+                <a16:creationId xmlns:a16="http://schemas.microsoft.com/office/drawing/2014/main" id="{6ECE4E73-99FF-7940-9227-57E056CADD32}"/>
               </a:ext>
             </a:extLst>
           </p:cNvPr>
@@ -504,7 +504,7 @@
           <a:bodyPr/>
           <a:lstStyle/>
           <a:p>
-            <a:fld id="{F20B7E82-4AB4-441E-B17B-3EE15B1F1F59}" type="slidenum">
+            <a:fld id="{2FEC9D62-84DC-4DB2-A039-70E031D923C1}" type="slidenum">
               <a:rPr lang="zh-CN" altLang="en-US" smtClean="0"/>
               <a:t>‹#›</a:t>
             </a:fld>
@@ -515,7 +515,7 @@
     </p:spTree>
     <p:extLst>
       <p:ext uri="{BB962C8B-B14F-4D97-AF65-F5344CB8AC3E}">
-        <p14:creationId xmlns:p14="http://schemas.microsoft.com/office/powerpoint/2010/main" val="838897915"/>
+        <p14:creationId xmlns:p14="http://schemas.microsoft.com/office/powerpoint/2010/main" val="2717926291"/>
       </p:ext>
     </p:extLst>
   </p:cSld>
@@ -547,7 +547,7 @@
           <p:cNvPr id="2" name="竖排标题 1">
             <a:extLst>
               <a:ext uri="{FF2B5EF4-FFF2-40B4-BE49-F238E27FC236}">
-                <a16:creationId xmlns:a16="http://schemas.microsoft.com/office/drawing/2014/main" id="{F6B5A6BE-B48A-AF10-3ED2-2CF87CEC704D}"/>
+                <a16:creationId xmlns:a16="http://schemas.microsoft.com/office/drawing/2014/main" id="{365C5F33-B612-0CB1-DF7D-0ECB6DCF5D52}"/>
               </a:ext>
             </a:extLst>
           </p:cNvPr>
@@ -580,7 +580,7 @@
           <p:cNvPr id="3" name="竖排文字占位符 2">
             <a:extLst>
               <a:ext uri="{FF2B5EF4-FFF2-40B4-BE49-F238E27FC236}">
-                <a16:creationId xmlns:a16="http://schemas.microsoft.com/office/drawing/2014/main" id="{4AC8229C-63DB-AB86-A46A-8EBE5A0D3610}"/>
+                <a16:creationId xmlns:a16="http://schemas.microsoft.com/office/drawing/2014/main" id="{F4D02915-041F-8379-1F81-DE62ADF1CF7E}"/>
               </a:ext>
             </a:extLst>
           </p:cNvPr>
@@ -642,7 +642,7 @@
           <p:cNvPr id="4" name="日期占位符 3">
             <a:extLst>
               <a:ext uri="{FF2B5EF4-FFF2-40B4-BE49-F238E27FC236}">
-                <a16:creationId xmlns:a16="http://schemas.microsoft.com/office/drawing/2014/main" id="{517AE994-AFBB-9262-0BCA-AA14FC86BF31}"/>
+                <a16:creationId xmlns:a16="http://schemas.microsoft.com/office/drawing/2014/main" id="{8BEA581D-209E-0EEA-9AE0-5CDC372B2914}"/>
               </a:ext>
             </a:extLst>
           </p:cNvPr>
@@ -658,7 +658,7 @@
           <a:bodyPr/>
           <a:lstStyle/>
           <a:p>
-            <a:fld id="{02C9FE2E-61FD-42D3-B397-4C007C15D8F9}" type="datetimeFigureOut">
+            <a:fld id="{15FFE01E-7363-41E5-8F76-B9684F44CB52}" type="datetimeFigureOut">
               <a:rPr lang="zh-CN" altLang="en-US" smtClean="0"/>
               <a:t>2024/3/10</a:t>
             </a:fld>
@@ -671,7 +671,7 @@
           <p:cNvPr id="5" name="页脚占位符 4">
             <a:extLst>
               <a:ext uri="{FF2B5EF4-FFF2-40B4-BE49-F238E27FC236}">
-                <a16:creationId xmlns:a16="http://schemas.microsoft.com/office/drawing/2014/main" id="{9EA656DA-1C2A-A72D-A8EA-9A5698990BD1}"/>
+                <a16:creationId xmlns:a16="http://schemas.microsoft.com/office/drawing/2014/main" id="{DB4F4BAF-43E1-EC5A-1791-2DC33516B54E}"/>
               </a:ext>
             </a:extLst>
           </p:cNvPr>
@@ -696,7 +696,7 @@
           <p:cNvPr id="6" name="灯片编号占位符 5">
             <a:extLst>
               <a:ext uri="{FF2B5EF4-FFF2-40B4-BE49-F238E27FC236}">
-                <a16:creationId xmlns:a16="http://schemas.microsoft.com/office/drawing/2014/main" id="{AE5A08AF-717E-7662-E47E-54CE09015E52}"/>
+                <a16:creationId xmlns:a16="http://schemas.microsoft.com/office/drawing/2014/main" id="{B85A7BD9-19E7-0332-55FA-FFF5AED030B8}"/>
               </a:ext>
             </a:extLst>
           </p:cNvPr>
@@ -712,7 +712,7 @@
           <a:bodyPr/>
           <a:lstStyle/>
           <a:p>
-            <a:fld id="{F20B7E82-4AB4-441E-B17B-3EE15B1F1F59}" type="slidenum">
+            <a:fld id="{2FEC9D62-84DC-4DB2-A039-70E031D923C1}" type="slidenum">
               <a:rPr lang="zh-CN" altLang="en-US" smtClean="0"/>
               <a:t>‹#›</a:t>
             </a:fld>
@@ -723,7 +723,7 @@
     </p:spTree>
     <p:extLst>
       <p:ext uri="{BB962C8B-B14F-4D97-AF65-F5344CB8AC3E}">
-        <p14:creationId xmlns:p14="http://schemas.microsoft.com/office/powerpoint/2010/main" val="3080987229"/>
+        <p14:creationId xmlns:p14="http://schemas.microsoft.com/office/powerpoint/2010/main" val="2682630303"/>
       </p:ext>
     </p:extLst>
   </p:cSld>
@@ -755,7 +755,7 @@
           <p:cNvPr id="2" name="标题 1">
             <a:extLst>
               <a:ext uri="{FF2B5EF4-FFF2-40B4-BE49-F238E27FC236}">
-                <a16:creationId xmlns:a16="http://schemas.microsoft.com/office/drawing/2014/main" id="{4FC124DC-6E50-502B-B514-13179789C516}"/>
+                <a16:creationId xmlns:a16="http://schemas.microsoft.com/office/drawing/2014/main" id="{6B9EF264-480B-E8AE-9870-918FBCB9197D}"/>
               </a:ext>
             </a:extLst>
           </p:cNvPr>
@@ -783,7 +783,7 @@
           <p:cNvPr id="3" name="内容占位符 2">
             <a:extLst>
               <a:ext uri="{FF2B5EF4-FFF2-40B4-BE49-F238E27FC236}">
-                <a16:creationId xmlns:a16="http://schemas.microsoft.com/office/drawing/2014/main" id="{D1E454FD-4173-FDF9-4137-45F2C85AC2FB}"/>
+                <a16:creationId xmlns:a16="http://schemas.microsoft.com/office/drawing/2014/main" id="{5D764C1A-44CD-434C-4C54-93D191CF55E1}"/>
               </a:ext>
             </a:extLst>
           </p:cNvPr>
@@ -840,7 +840,7 @@
           <p:cNvPr id="4" name="日期占位符 3">
             <a:extLst>
               <a:ext uri="{FF2B5EF4-FFF2-40B4-BE49-F238E27FC236}">
-                <a16:creationId xmlns:a16="http://schemas.microsoft.com/office/drawing/2014/main" id="{6A4F5CC7-2B48-FE53-28E5-888FEA1DC596}"/>
+                <a16:creationId xmlns:a16="http://schemas.microsoft.com/office/drawing/2014/main" id="{F08B6FF1-8FB9-0578-311E-D83882A74B39}"/>
               </a:ext>
             </a:extLst>
           </p:cNvPr>
@@ -856,7 +856,7 @@
           <a:bodyPr/>
           <a:lstStyle/>
           <a:p>
-            <a:fld id="{02C9FE2E-61FD-42D3-B397-4C007C15D8F9}" type="datetimeFigureOut">
+            <a:fld id="{15FFE01E-7363-41E5-8F76-B9684F44CB52}" type="datetimeFigureOut">
               <a:rPr lang="zh-CN" altLang="en-US" smtClean="0"/>
               <a:t>2024/3/10</a:t>
             </a:fld>
@@ -869,7 +869,7 @@
           <p:cNvPr id="5" name="页脚占位符 4">
             <a:extLst>
               <a:ext uri="{FF2B5EF4-FFF2-40B4-BE49-F238E27FC236}">
-                <a16:creationId xmlns:a16="http://schemas.microsoft.com/office/drawing/2014/main" id="{4B345F2C-CAA1-88C9-2A86-7193D9F6F2B0}"/>
+                <a16:creationId xmlns:a16="http://schemas.microsoft.com/office/drawing/2014/main" id="{F4D082E1-B3A5-104D-6247-5519D5353DEC}"/>
               </a:ext>
             </a:extLst>
           </p:cNvPr>
@@ -894,7 +894,7 @@
           <p:cNvPr id="6" name="灯片编号占位符 5">
             <a:extLst>
               <a:ext uri="{FF2B5EF4-FFF2-40B4-BE49-F238E27FC236}">
-                <a16:creationId xmlns:a16="http://schemas.microsoft.com/office/drawing/2014/main" id="{2DFBCDF4-930E-3488-6FE1-86E716E9F634}"/>
+                <a16:creationId xmlns:a16="http://schemas.microsoft.com/office/drawing/2014/main" id="{E76DC7FE-C30B-7F7F-A7EA-07978DACA685}"/>
               </a:ext>
             </a:extLst>
           </p:cNvPr>
@@ -910,7 +910,7 @@
           <a:bodyPr/>
           <a:lstStyle/>
           <a:p>
-            <a:fld id="{F20B7E82-4AB4-441E-B17B-3EE15B1F1F59}" type="slidenum">
+            <a:fld id="{2FEC9D62-84DC-4DB2-A039-70E031D923C1}" type="slidenum">
               <a:rPr lang="zh-CN" altLang="en-US" smtClean="0"/>
               <a:t>‹#›</a:t>
             </a:fld>
@@ -921,7 +921,7 @@
     </p:spTree>
     <p:extLst>
       <p:ext uri="{BB962C8B-B14F-4D97-AF65-F5344CB8AC3E}">
-        <p14:creationId xmlns:p14="http://schemas.microsoft.com/office/powerpoint/2010/main" val="1488388724"/>
+        <p14:creationId xmlns:p14="http://schemas.microsoft.com/office/powerpoint/2010/main" val="4003632459"/>
       </p:ext>
     </p:extLst>
   </p:cSld>
@@ -953,7 +953,7 @@
           <p:cNvPr id="2" name="标题 1">
             <a:extLst>
               <a:ext uri="{FF2B5EF4-FFF2-40B4-BE49-F238E27FC236}">
-                <a16:creationId xmlns:a16="http://schemas.microsoft.com/office/drawing/2014/main" id="{30F2F29E-BDBB-6266-D91C-61627B82E61C}"/>
+                <a16:creationId xmlns:a16="http://schemas.microsoft.com/office/drawing/2014/main" id="{0039EE9D-1E28-5553-82FE-AC62DB26DF39}"/>
               </a:ext>
             </a:extLst>
           </p:cNvPr>
@@ -990,7 +990,7 @@
           <p:cNvPr id="3" name="文本占位符 2">
             <a:extLst>
               <a:ext uri="{FF2B5EF4-FFF2-40B4-BE49-F238E27FC236}">
-                <a16:creationId xmlns:a16="http://schemas.microsoft.com/office/drawing/2014/main" id="{E11BB3D6-5D11-9038-C478-9059467C140E}"/>
+                <a16:creationId xmlns:a16="http://schemas.microsoft.com/office/drawing/2014/main" id="{263EBDF4-3A2A-4519-5E72-AA4E1F994EE3}"/>
               </a:ext>
             </a:extLst>
           </p:cNvPr>
@@ -1115,7 +1115,7 @@
           <p:cNvPr id="4" name="日期占位符 3">
             <a:extLst>
               <a:ext uri="{FF2B5EF4-FFF2-40B4-BE49-F238E27FC236}">
-                <a16:creationId xmlns:a16="http://schemas.microsoft.com/office/drawing/2014/main" id="{5FFD9462-77D1-B321-E7BD-906B3EA84C4A}"/>
+                <a16:creationId xmlns:a16="http://schemas.microsoft.com/office/drawing/2014/main" id="{F8239394-8246-1247-F27B-0550A3E31064}"/>
               </a:ext>
             </a:extLst>
           </p:cNvPr>
@@ -1131,7 +1131,7 @@
           <a:bodyPr/>
           <a:lstStyle/>
           <a:p>
-            <a:fld id="{02C9FE2E-61FD-42D3-B397-4C007C15D8F9}" type="datetimeFigureOut">
+            <a:fld id="{15FFE01E-7363-41E5-8F76-B9684F44CB52}" type="datetimeFigureOut">
               <a:rPr lang="zh-CN" altLang="en-US" smtClean="0"/>
               <a:t>2024/3/10</a:t>
             </a:fld>
@@ -1144,7 +1144,7 @@
           <p:cNvPr id="5" name="页脚占位符 4">
             <a:extLst>
               <a:ext uri="{FF2B5EF4-FFF2-40B4-BE49-F238E27FC236}">
-                <a16:creationId xmlns:a16="http://schemas.microsoft.com/office/drawing/2014/main" id="{9C0DD3D8-CC1A-9017-DBFE-F1E6AC41CBEB}"/>
+                <a16:creationId xmlns:a16="http://schemas.microsoft.com/office/drawing/2014/main" id="{D58A8A85-0AAF-5BBB-A88F-E684DEA8CA0C}"/>
               </a:ext>
             </a:extLst>
           </p:cNvPr>
@@ -1169,7 +1169,7 @@
           <p:cNvPr id="6" name="灯片编号占位符 5">
             <a:extLst>
               <a:ext uri="{FF2B5EF4-FFF2-40B4-BE49-F238E27FC236}">
-                <a16:creationId xmlns:a16="http://schemas.microsoft.com/office/drawing/2014/main" id="{83EAD19E-D8F1-4531-F4B9-DF14D5872364}"/>
+                <a16:creationId xmlns:a16="http://schemas.microsoft.com/office/drawing/2014/main" id="{47B1B3FE-12BB-F3F5-1F31-A1DDE1EA0705}"/>
               </a:ext>
             </a:extLst>
           </p:cNvPr>
@@ -1185,7 +1185,7 @@
           <a:bodyPr/>
           <a:lstStyle/>
           <a:p>
-            <a:fld id="{F20B7E82-4AB4-441E-B17B-3EE15B1F1F59}" type="slidenum">
+            <a:fld id="{2FEC9D62-84DC-4DB2-A039-70E031D923C1}" type="slidenum">
               <a:rPr lang="zh-CN" altLang="en-US" smtClean="0"/>
               <a:t>‹#›</a:t>
             </a:fld>
@@ -1196,7 +1196,7 @@
     </p:spTree>
     <p:extLst>
       <p:ext uri="{BB962C8B-B14F-4D97-AF65-F5344CB8AC3E}">
-        <p14:creationId xmlns:p14="http://schemas.microsoft.com/office/powerpoint/2010/main" val="1850281086"/>
+        <p14:creationId xmlns:p14="http://schemas.microsoft.com/office/powerpoint/2010/main" val="4167096708"/>
       </p:ext>
     </p:extLst>
   </p:cSld>
@@ -1228,7 +1228,7 @@
           <p:cNvPr id="2" name="标题 1">
             <a:extLst>
               <a:ext uri="{FF2B5EF4-FFF2-40B4-BE49-F238E27FC236}">
-                <a16:creationId xmlns:a16="http://schemas.microsoft.com/office/drawing/2014/main" id="{C5BEAB88-F3B6-9590-432B-2BE3AE72F39B}"/>
+                <a16:creationId xmlns:a16="http://schemas.microsoft.com/office/drawing/2014/main" id="{CBEE8133-C107-874B-29B5-87214F4F5B09}"/>
               </a:ext>
             </a:extLst>
           </p:cNvPr>
@@ -1256,7 +1256,7 @@
           <p:cNvPr id="3" name="内容占位符 2">
             <a:extLst>
               <a:ext uri="{FF2B5EF4-FFF2-40B4-BE49-F238E27FC236}">
-                <a16:creationId xmlns:a16="http://schemas.microsoft.com/office/drawing/2014/main" id="{1D3455C7-4010-9085-74AB-CF6A915A6243}"/>
+                <a16:creationId xmlns:a16="http://schemas.microsoft.com/office/drawing/2014/main" id="{A040E8C2-3EC3-1D8A-A698-88B3F98B1974}"/>
               </a:ext>
             </a:extLst>
           </p:cNvPr>
@@ -1318,7 +1318,7 @@
           <p:cNvPr id="4" name="内容占位符 3">
             <a:extLst>
               <a:ext uri="{FF2B5EF4-FFF2-40B4-BE49-F238E27FC236}">
-                <a16:creationId xmlns:a16="http://schemas.microsoft.com/office/drawing/2014/main" id="{C2FE159A-9DEE-C4B2-74D0-F2E224B16D2F}"/>
+                <a16:creationId xmlns:a16="http://schemas.microsoft.com/office/drawing/2014/main" id="{C8D5416C-3089-2D66-018C-4BFEE4E4C01F}"/>
               </a:ext>
             </a:extLst>
           </p:cNvPr>
@@ -1380,7 +1380,7 @@
           <p:cNvPr id="5" name="日期占位符 4">
             <a:extLst>
               <a:ext uri="{FF2B5EF4-FFF2-40B4-BE49-F238E27FC236}">
-                <a16:creationId xmlns:a16="http://schemas.microsoft.com/office/drawing/2014/main" id="{A133E411-8A9B-4BBD-377B-6C704822897C}"/>
+                <a16:creationId xmlns:a16="http://schemas.microsoft.com/office/drawing/2014/main" id="{9CBEC56A-7E14-422B-D16E-7DF9D5AF1D93}"/>
               </a:ext>
             </a:extLst>
           </p:cNvPr>
@@ -1396,7 +1396,7 @@
           <a:bodyPr/>
           <a:lstStyle/>
           <a:p>
-            <a:fld id="{02C9FE2E-61FD-42D3-B397-4C007C15D8F9}" type="datetimeFigureOut">
+            <a:fld id="{15FFE01E-7363-41E5-8F76-B9684F44CB52}" type="datetimeFigureOut">
               <a:rPr lang="zh-CN" altLang="en-US" smtClean="0"/>
               <a:t>2024/3/10</a:t>
             </a:fld>
@@ -1409,7 +1409,7 @@
           <p:cNvPr id="6" name="页脚占位符 5">
             <a:extLst>
               <a:ext uri="{FF2B5EF4-FFF2-40B4-BE49-F238E27FC236}">
-                <a16:creationId xmlns:a16="http://schemas.microsoft.com/office/drawing/2014/main" id="{1907D592-B785-B454-1BC6-8966820D9FD6}"/>
+                <a16:creationId xmlns:a16="http://schemas.microsoft.com/office/drawing/2014/main" id="{28C11719-E887-CADB-9FD2-713E21E1A825}"/>
               </a:ext>
             </a:extLst>
           </p:cNvPr>
@@ -1434,7 +1434,7 @@
           <p:cNvPr id="7" name="灯片编号占位符 6">
             <a:extLst>
               <a:ext uri="{FF2B5EF4-FFF2-40B4-BE49-F238E27FC236}">
-                <a16:creationId xmlns:a16="http://schemas.microsoft.com/office/drawing/2014/main" id="{0262DDEF-CF35-A4C5-DF1E-A139239E3E3C}"/>
+                <a16:creationId xmlns:a16="http://schemas.microsoft.com/office/drawing/2014/main" id="{BD4F1468-0EF6-8D84-108B-2C201559750F}"/>
               </a:ext>
             </a:extLst>
           </p:cNvPr>
@@ -1450,7 +1450,7 @@
           <a:bodyPr/>
           <a:lstStyle/>
           <a:p>
-            <a:fld id="{F20B7E82-4AB4-441E-B17B-3EE15B1F1F59}" type="slidenum">
+            <a:fld id="{2FEC9D62-84DC-4DB2-A039-70E031D923C1}" type="slidenum">
               <a:rPr lang="zh-CN" altLang="en-US" smtClean="0"/>
               <a:t>‹#›</a:t>
             </a:fld>
@@ -1461,7 +1461,7 @@
     </p:spTree>
     <p:extLst>
       <p:ext uri="{BB962C8B-B14F-4D97-AF65-F5344CB8AC3E}">
-        <p14:creationId xmlns:p14="http://schemas.microsoft.com/office/powerpoint/2010/main" val="3865395604"/>
+        <p14:creationId xmlns:p14="http://schemas.microsoft.com/office/powerpoint/2010/main" val="2116278426"/>
       </p:ext>
     </p:extLst>
   </p:cSld>
@@ -1493,7 +1493,7 @@
           <p:cNvPr id="2" name="标题 1">
             <a:extLst>
               <a:ext uri="{FF2B5EF4-FFF2-40B4-BE49-F238E27FC236}">
-                <a16:creationId xmlns:a16="http://schemas.microsoft.com/office/drawing/2014/main" id="{64CCB39D-2A6F-1565-1004-C4438CB29BEC}"/>
+                <a16:creationId xmlns:a16="http://schemas.microsoft.com/office/drawing/2014/main" id="{D700990B-3C08-AFD6-D54D-84213FBE36BD}"/>
               </a:ext>
             </a:extLst>
           </p:cNvPr>
@@ -1526,7 +1526,7 @@
           <p:cNvPr id="3" name="文本占位符 2">
             <a:extLst>
               <a:ext uri="{FF2B5EF4-FFF2-40B4-BE49-F238E27FC236}">
-                <a16:creationId xmlns:a16="http://schemas.microsoft.com/office/drawing/2014/main" id="{D66AD7B5-0714-B307-A09D-6C631A1B5511}"/>
+                <a16:creationId xmlns:a16="http://schemas.microsoft.com/office/drawing/2014/main" id="{1D0540BA-EA42-C8FA-9D66-9AB7D7522DFD}"/>
               </a:ext>
             </a:extLst>
           </p:cNvPr>
@@ -1597,7 +1597,7 @@
           <p:cNvPr id="4" name="内容占位符 3">
             <a:extLst>
               <a:ext uri="{FF2B5EF4-FFF2-40B4-BE49-F238E27FC236}">
-                <a16:creationId xmlns:a16="http://schemas.microsoft.com/office/drawing/2014/main" id="{785FB810-B0B3-0D9E-5B51-8CFD80AF0CE0}"/>
+                <a16:creationId xmlns:a16="http://schemas.microsoft.com/office/drawing/2014/main" id="{C5D8392D-7B15-399E-2970-10892E6D82D7}"/>
               </a:ext>
             </a:extLst>
           </p:cNvPr>
@@ -1659,7 +1659,7 @@
           <p:cNvPr id="5" name="文本占位符 4">
             <a:extLst>
               <a:ext uri="{FF2B5EF4-FFF2-40B4-BE49-F238E27FC236}">
-                <a16:creationId xmlns:a16="http://schemas.microsoft.com/office/drawing/2014/main" id="{EF4A0666-45C5-6010-47B3-F5F8AC6E155A}"/>
+                <a16:creationId xmlns:a16="http://schemas.microsoft.com/office/drawing/2014/main" id="{AB4C9B1B-0DB2-2AC3-B19B-87D026EA2D8B}"/>
               </a:ext>
             </a:extLst>
           </p:cNvPr>
@@ -1730,7 +1730,7 @@
           <p:cNvPr id="6" name="内容占位符 5">
             <a:extLst>
               <a:ext uri="{FF2B5EF4-FFF2-40B4-BE49-F238E27FC236}">
-                <a16:creationId xmlns:a16="http://schemas.microsoft.com/office/drawing/2014/main" id="{94E056CD-8EE2-CB59-6796-DFA3EBAFE278}"/>
+                <a16:creationId xmlns:a16="http://schemas.microsoft.com/office/drawing/2014/main" id="{A7FACCE2-E982-21BE-A45E-09985DBA3449}"/>
               </a:ext>
             </a:extLst>
           </p:cNvPr>
@@ -1792,7 +1792,7 @@
           <p:cNvPr id="7" name="日期占位符 6">
             <a:extLst>
               <a:ext uri="{FF2B5EF4-FFF2-40B4-BE49-F238E27FC236}">
-                <a16:creationId xmlns:a16="http://schemas.microsoft.com/office/drawing/2014/main" id="{C42C6BD1-6076-2159-1BC8-FB6705CAC220}"/>
+                <a16:creationId xmlns:a16="http://schemas.microsoft.com/office/drawing/2014/main" id="{EAB1C5F1-8C6C-32EC-5DC3-D4802F4C32BA}"/>
               </a:ext>
             </a:extLst>
           </p:cNvPr>
@@ -1808,7 +1808,7 @@
           <a:bodyPr/>
           <a:lstStyle/>
           <a:p>
-            <a:fld id="{02C9FE2E-61FD-42D3-B397-4C007C15D8F9}" type="datetimeFigureOut">
+            <a:fld id="{15FFE01E-7363-41E5-8F76-B9684F44CB52}" type="datetimeFigureOut">
               <a:rPr lang="zh-CN" altLang="en-US" smtClean="0"/>
               <a:t>2024/3/10</a:t>
             </a:fld>
@@ -1821,7 +1821,7 @@
           <p:cNvPr id="8" name="页脚占位符 7">
             <a:extLst>
               <a:ext uri="{FF2B5EF4-FFF2-40B4-BE49-F238E27FC236}">
-                <a16:creationId xmlns:a16="http://schemas.microsoft.com/office/drawing/2014/main" id="{4A44152F-43F5-346C-18E7-A219D9942091}"/>
+                <a16:creationId xmlns:a16="http://schemas.microsoft.com/office/drawing/2014/main" id="{FB26D9EE-C8C7-5B27-F171-E6660A364B55}"/>
               </a:ext>
             </a:extLst>
           </p:cNvPr>
@@ -1846,7 +1846,7 @@
           <p:cNvPr id="9" name="灯片编号占位符 8">
             <a:extLst>
               <a:ext uri="{FF2B5EF4-FFF2-40B4-BE49-F238E27FC236}">
-                <a16:creationId xmlns:a16="http://schemas.microsoft.com/office/drawing/2014/main" id="{32C2865C-66E8-71E0-110D-51602542F64E}"/>
+                <a16:creationId xmlns:a16="http://schemas.microsoft.com/office/drawing/2014/main" id="{1CD48949-BDD1-43D3-2AC3-E7144C5EED86}"/>
               </a:ext>
             </a:extLst>
           </p:cNvPr>
@@ -1862,7 +1862,7 @@
           <a:bodyPr/>
           <a:lstStyle/>
           <a:p>
-            <a:fld id="{F20B7E82-4AB4-441E-B17B-3EE15B1F1F59}" type="slidenum">
+            <a:fld id="{2FEC9D62-84DC-4DB2-A039-70E031D923C1}" type="slidenum">
               <a:rPr lang="zh-CN" altLang="en-US" smtClean="0"/>
               <a:t>‹#›</a:t>
             </a:fld>
@@ -1873,7 +1873,7 @@
     </p:spTree>
     <p:extLst>
       <p:ext uri="{BB962C8B-B14F-4D97-AF65-F5344CB8AC3E}">
-        <p14:creationId xmlns:p14="http://schemas.microsoft.com/office/powerpoint/2010/main" val="2096955087"/>
+        <p14:creationId xmlns:p14="http://schemas.microsoft.com/office/powerpoint/2010/main" val="2869289091"/>
       </p:ext>
     </p:extLst>
   </p:cSld>
@@ -1905,7 +1905,7 @@
           <p:cNvPr id="2" name="标题 1">
             <a:extLst>
               <a:ext uri="{FF2B5EF4-FFF2-40B4-BE49-F238E27FC236}">
-                <a16:creationId xmlns:a16="http://schemas.microsoft.com/office/drawing/2014/main" id="{0D8F6CBE-03CF-1C1B-2E1B-1F2703DB85F7}"/>
+                <a16:creationId xmlns:a16="http://schemas.microsoft.com/office/drawing/2014/main" id="{D0E33472-DA3B-B4EF-91AD-9148B3B6289E}"/>
               </a:ext>
             </a:extLst>
           </p:cNvPr>
@@ -1933,7 +1933,7 @@
           <p:cNvPr id="3" name="日期占位符 2">
             <a:extLst>
               <a:ext uri="{FF2B5EF4-FFF2-40B4-BE49-F238E27FC236}">
-                <a16:creationId xmlns:a16="http://schemas.microsoft.com/office/drawing/2014/main" id="{72864BFD-092B-6E5E-1BFF-BA2E1359B85D}"/>
+                <a16:creationId xmlns:a16="http://schemas.microsoft.com/office/drawing/2014/main" id="{57255825-DECC-0388-6F0B-0A8363D55B5E}"/>
               </a:ext>
             </a:extLst>
           </p:cNvPr>
@@ -1949,7 +1949,7 @@
           <a:bodyPr/>
           <a:lstStyle/>
           <a:p>
-            <a:fld id="{02C9FE2E-61FD-42D3-B397-4C007C15D8F9}" type="datetimeFigureOut">
+            <a:fld id="{15FFE01E-7363-41E5-8F76-B9684F44CB52}" type="datetimeFigureOut">
               <a:rPr lang="zh-CN" altLang="en-US" smtClean="0"/>
               <a:t>2024/3/10</a:t>
             </a:fld>
@@ -1962,7 +1962,7 @@
           <p:cNvPr id="4" name="页脚占位符 3">
             <a:extLst>
               <a:ext uri="{FF2B5EF4-FFF2-40B4-BE49-F238E27FC236}">
-                <a16:creationId xmlns:a16="http://schemas.microsoft.com/office/drawing/2014/main" id="{7EB09D99-D1A0-CA6A-F549-2F86C3B6EA0B}"/>
+                <a16:creationId xmlns:a16="http://schemas.microsoft.com/office/drawing/2014/main" id="{466C2509-7728-315A-4C2F-B8761D0C9A87}"/>
               </a:ext>
             </a:extLst>
           </p:cNvPr>
@@ -1987,7 +1987,7 @@
           <p:cNvPr id="5" name="灯片编号占位符 4">
             <a:extLst>
               <a:ext uri="{FF2B5EF4-FFF2-40B4-BE49-F238E27FC236}">
-                <a16:creationId xmlns:a16="http://schemas.microsoft.com/office/drawing/2014/main" id="{F1589C61-34D9-F21A-08FD-F4D0D0E6EE76}"/>
+                <a16:creationId xmlns:a16="http://schemas.microsoft.com/office/drawing/2014/main" id="{4FFEB17B-F503-25AD-E15D-51F1F843ED22}"/>
               </a:ext>
             </a:extLst>
           </p:cNvPr>
@@ -2003,7 +2003,7 @@
           <a:bodyPr/>
           <a:lstStyle/>
           <a:p>
-            <a:fld id="{F20B7E82-4AB4-441E-B17B-3EE15B1F1F59}" type="slidenum">
+            <a:fld id="{2FEC9D62-84DC-4DB2-A039-70E031D923C1}" type="slidenum">
               <a:rPr lang="zh-CN" altLang="en-US" smtClean="0"/>
               <a:t>‹#›</a:t>
             </a:fld>
@@ -2014,7 +2014,7 @@
     </p:spTree>
     <p:extLst>
       <p:ext uri="{BB962C8B-B14F-4D97-AF65-F5344CB8AC3E}">
-        <p14:creationId xmlns:p14="http://schemas.microsoft.com/office/powerpoint/2010/main" val="1533008926"/>
+        <p14:creationId xmlns:p14="http://schemas.microsoft.com/office/powerpoint/2010/main" val="2267919657"/>
       </p:ext>
     </p:extLst>
   </p:cSld>
@@ -2046,7 +2046,7 @@
           <p:cNvPr id="2" name="日期占位符 1">
             <a:extLst>
               <a:ext uri="{FF2B5EF4-FFF2-40B4-BE49-F238E27FC236}">
-                <a16:creationId xmlns:a16="http://schemas.microsoft.com/office/drawing/2014/main" id="{82EC0007-8D07-E5BB-C033-B14962285391}"/>
+                <a16:creationId xmlns:a16="http://schemas.microsoft.com/office/drawing/2014/main" id="{6AEA5F87-5A27-73D0-A014-3215E5385C83}"/>
               </a:ext>
             </a:extLst>
           </p:cNvPr>
@@ -2062,7 +2062,7 @@
           <a:bodyPr/>
           <a:lstStyle/>
           <a:p>
-            <a:fld id="{02C9FE2E-61FD-42D3-B397-4C007C15D8F9}" type="datetimeFigureOut">
+            <a:fld id="{15FFE01E-7363-41E5-8F76-B9684F44CB52}" type="datetimeFigureOut">
               <a:rPr lang="zh-CN" altLang="en-US" smtClean="0"/>
               <a:t>2024/3/10</a:t>
             </a:fld>
@@ -2075,7 +2075,7 @@
           <p:cNvPr id="3" name="页脚占位符 2">
             <a:extLst>
               <a:ext uri="{FF2B5EF4-FFF2-40B4-BE49-F238E27FC236}">
-                <a16:creationId xmlns:a16="http://schemas.microsoft.com/office/drawing/2014/main" id="{C852B4CB-13A4-E462-1594-AC0FAF5514B0}"/>
+                <a16:creationId xmlns:a16="http://schemas.microsoft.com/office/drawing/2014/main" id="{A8E0518D-1AD8-8C9C-0EDD-90C6F594309E}"/>
               </a:ext>
             </a:extLst>
           </p:cNvPr>
@@ -2100,7 +2100,7 @@
           <p:cNvPr id="4" name="灯片编号占位符 3">
             <a:extLst>
               <a:ext uri="{FF2B5EF4-FFF2-40B4-BE49-F238E27FC236}">
-                <a16:creationId xmlns:a16="http://schemas.microsoft.com/office/drawing/2014/main" id="{1CA4224D-7FB6-ABCB-3BAA-E11E5C8775BB}"/>
+                <a16:creationId xmlns:a16="http://schemas.microsoft.com/office/drawing/2014/main" id="{950D107E-3380-249E-CF47-1A24917C9FAC}"/>
               </a:ext>
             </a:extLst>
           </p:cNvPr>
@@ -2116,7 +2116,7 @@
           <a:bodyPr/>
           <a:lstStyle/>
           <a:p>
-            <a:fld id="{F20B7E82-4AB4-441E-B17B-3EE15B1F1F59}" type="slidenum">
+            <a:fld id="{2FEC9D62-84DC-4DB2-A039-70E031D923C1}" type="slidenum">
               <a:rPr lang="zh-CN" altLang="en-US" smtClean="0"/>
               <a:t>‹#›</a:t>
             </a:fld>
@@ -2127,7 +2127,7 @@
     </p:spTree>
     <p:extLst>
       <p:ext uri="{BB962C8B-B14F-4D97-AF65-F5344CB8AC3E}">
-        <p14:creationId xmlns:p14="http://schemas.microsoft.com/office/powerpoint/2010/main" val="2322574361"/>
+        <p14:creationId xmlns:p14="http://schemas.microsoft.com/office/powerpoint/2010/main" val="287998878"/>
       </p:ext>
     </p:extLst>
   </p:cSld>
@@ -2159,7 +2159,7 @@
           <p:cNvPr id="2" name="标题 1">
             <a:extLst>
               <a:ext uri="{FF2B5EF4-FFF2-40B4-BE49-F238E27FC236}">
-                <a16:creationId xmlns:a16="http://schemas.microsoft.com/office/drawing/2014/main" id="{970A9B58-A77C-1826-0722-78BF4AEC5758}"/>
+                <a16:creationId xmlns:a16="http://schemas.microsoft.com/office/drawing/2014/main" id="{57440BE3-5187-01CF-01D8-5471F576DBBD}"/>
               </a:ext>
             </a:extLst>
           </p:cNvPr>
@@ -2196,7 +2196,7 @@
           <p:cNvPr id="3" name="内容占位符 2">
             <a:extLst>
               <a:ext uri="{FF2B5EF4-FFF2-40B4-BE49-F238E27FC236}">
-                <a16:creationId xmlns:a16="http://schemas.microsoft.com/office/drawing/2014/main" id="{1597E30B-38B2-8364-C5E1-758D9B349633}"/>
+                <a16:creationId xmlns:a16="http://schemas.microsoft.com/office/drawing/2014/main" id="{A8885CCC-CDCF-C0DF-8301-C3898CA27665}"/>
               </a:ext>
             </a:extLst>
           </p:cNvPr>
@@ -2286,7 +2286,7 @@
           <p:cNvPr id="4" name="文本占位符 3">
             <a:extLst>
               <a:ext uri="{FF2B5EF4-FFF2-40B4-BE49-F238E27FC236}">
-                <a16:creationId xmlns:a16="http://schemas.microsoft.com/office/drawing/2014/main" id="{F694CDB7-2286-133F-51B3-8507975EF4D4}"/>
+                <a16:creationId xmlns:a16="http://schemas.microsoft.com/office/drawing/2014/main" id="{378BC7B7-E048-851D-D1B7-E5A6F9E41D05}"/>
               </a:ext>
             </a:extLst>
           </p:cNvPr>
@@ -2357,7 +2357,7 @@
           <p:cNvPr id="5" name="日期占位符 4">
             <a:extLst>
               <a:ext uri="{FF2B5EF4-FFF2-40B4-BE49-F238E27FC236}">
-                <a16:creationId xmlns:a16="http://schemas.microsoft.com/office/drawing/2014/main" id="{788965FE-326E-758D-9226-78B6FE74AE4F}"/>
+                <a16:creationId xmlns:a16="http://schemas.microsoft.com/office/drawing/2014/main" id="{BC651E18-314C-4117-6AFB-083548B997BD}"/>
               </a:ext>
             </a:extLst>
           </p:cNvPr>
@@ -2373,7 +2373,7 @@
           <a:bodyPr/>
           <a:lstStyle/>
           <a:p>
-            <a:fld id="{02C9FE2E-61FD-42D3-B397-4C007C15D8F9}" type="datetimeFigureOut">
+            <a:fld id="{15FFE01E-7363-41E5-8F76-B9684F44CB52}" type="datetimeFigureOut">
               <a:rPr lang="zh-CN" altLang="en-US" smtClean="0"/>
               <a:t>2024/3/10</a:t>
             </a:fld>
@@ -2386,7 +2386,7 @@
           <p:cNvPr id="6" name="页脚占位符 5">
             <a:extLst>
               <a:ext uri="{FF2B5EF4-FFF2-40B4-BE49-F238E27FC236}">
-                <a16:creationId xmlns:a16="http://schemas.microsoft.com/office/drawing/2014/main" id="{51BBCD5F-F5CE-04B2-1379-F3297AE5DA67}"/>
+                <a16:creationId xmlns:a16="http://schemas.microsoft.com/office/drawing/2014/main" id="{8F8D3D3D-5B47-9CE1-B0F5-C6301A671B10}"/>
               </a:ext>
             </a:extLst>
           </p:cNvPr>
@@ -2411,7 +2411,7 @@
           <p:cNvPr id="7" name="灯片编号占位符 6">
             <a:extLst>
               <a:ext uri="{FF2B5EF4-FFF2-40B4-BE49-F238E27FC236}">
-                <a16:creationId xmlns:a16="http://schemas.microsoft.com/office/drawing/2014/main" id="{C2B0807B-5A38-CC14-D58D-8119C8889B45}"/>
+                <a16:creationId xmlns:a16="http://schemas.microsoft.com/office/drawing/2014/main" id="{3A9BE113-43DA-3E55-565D-6F2B43A97A7D}"/>
               </a:ext>
             </a:extLst>
           </p:cNvPr>
@@ -2427,7 +2427,7 @@
           <a:bodyPr/>
           <a:lstStyle/>
           <a:p>
-            <a:fld id="{F20B7E82-4AB4-441E-B17B-3EE15B1F1F59}" type="slidenum">
+            <a:fld id="{2FEC9D62-84DC-4DB2-A039-70E031D923C1}" type="slidenum">
               <a:rPr lang="zh-CN" altLang="en-US" smtClean="0"/>
               <a:t>‹#›</a:t>
             </a:fld>
@@ -2438,7 +2438,7 @@
     </p:spTree>
     <p:extLst>
       <p:ext uri="{BB962C8B-B14F-4D97-AF65-F5344CB8AC3E}">
-        <p14:creationId xmlns:p14="http://schemas.microsoft.com/office/powerpoint/2010/main" val="2641941985"/>
+        <p14:creationId xmlns:p14="http://schemas.microsoft.com/office/powerpoint/2010/main" val="267908471"/>
       </p:ext>
     </p:extLst>
   </p:cSld>
@@ -2470,7 +2470,7 @@
           <p:cNvPr id="2" name="标题 1">
             <a:extLst>
               <a:ext uri="{FF2B5EF4-FFF2-40B4-BE49-F238E27FC236}">
-                <a16:creationId xmlns:a16="http://schemas.microsoft.com/office/drawing/2014/main" id="{791BA161-0829-F582-BF7F-1D93B3F56A20}"/>
+                <a16:creationId xmlns:a16="http://schemas.microsoft.com/office/drawing/2014/main" id="{55263A60-364B-19ED-E709-CDC99133D378}"/>
               </a:ext>
             </a:extLst>
           </p:cNvPr>
@@ -2507,7 +2507,7 @@
           <p:cNvPr id="3" name="图片占位符 2">
             <a:extLst>
               <a:ext uri="{FF2B5EF4-FFF2-40B4-BE49-F238E27FC236}">
-                <a16:creationId xmlns:a16="http://schemas.microsoft.com/office/drawing/2014/main" id="{CC4C539D-821A-AEF9-C165-F03070E8CB47}"/>
+                <a16:creationId xmlns:a16="http://schemas.microsoft.com/office/drawing/2014/main" id="{ED71D4B7-3607-EF01-B1A9-4634D37962E0}"/>
               </a:ext>
             </a:extLst>
           </p:cNvPr>
@@ -2574,7 +2574,7 @@
           <p:cNvPr id="4" name="文本占位符 3">
             <a:extLst>
               <a:ext uri="{FF2B5EF4-FFF2-40B4-BE49-F238E27FC236}">
-                <a16:creationId xmlns:a16="http://schemas.microsoft.com/office/drawing/2014/main" id="{546CFE6C-BE8F-3EA5-E8C9-0CBEA921281C}"/>
+                <a16:creationId xmlns:a16="http://schemas.microsoft.com/office/drawing/2014/main" id="{E13A8DA6-7A5F-17EF-DD8D-15EB24D51C6E}"/>
               </a:ext>
             </a:extLst>
           </p:cNvPr>
@@ -2645,7 +2645,7 @@
           <p:cNvPr id="5" name="日期占位符 4">
             <a:extLst>
               <a:ext uri="{FF2B5EF4-FFF2-40B4-BE49-F238E27FC236}">
-                <a16:creationId xmlns:a16="http://schemas.microsoft.com/office/drawing/2014/main" id="{81D3ED45-A968-214F-CFEF-BF175B4E1FE5}"/>
+                <a16:creationId xmlns:a16="http://schemas.microsoft.com/office/drawing/2014/main" id="{D68BA913-C858-63C5-EC64-73C787263BBB}"/>
               </a:ext>
             </a:extLst>
           </p:cNvPr>
@@ -2661,7 +2661,7 @@
           <a:bodyPr/>
           <a:lstStyle/>
           <a:p>
-            <a:fld id="{02C9FE2E-61FD-42D3-B397-4C007C15D8F9}" type="datetimeFigureOut">
+            <a:fld id="{15FFE01E-7363-41E5-8F76-B9684F44CB52}" type="datetimeFigureOut">
               <a:rPr lang="zh-CN" altLang="en-US" smtClean="0"/>
               <a:t>2024/3/10</a:t>
             </a:fld>
@@ -2674,7 +2674,7 @@
           <p:cNvPr id="6" name="页脚占位符 5">
             <a:extLst>
               <a:ext uri="{FF2B5EF4-FFF2-40B4-BE49-F238E27FC236}">
-                <a16:creationId xmlns:a16="http://schemas.microsoft.com/office/drawing/2014/main" id="{FF355B25-E6F3-93A0-0C45-F2C0EE7FDC43}"/>
+                <a16:creationId xmlns:a16="http://schemas.microsoft.com/office/drawing/2014/main" id="{281AE43E-CD28-322A-F646-A56CBBDAF5FC}"/>
               </a:ext>
             </a:extLst>
           </p:cNvPr>
@@ -2699,7 +2699,7 @@
           <p:cNvPr id="7" name="灯片编号占位符 6">
             <a:extLst>
               <a:ext uri="{FF2B5EF4-FFF2-40B4-BE49-F238E27FC236}">
-                <a16:creationId xmlns:a16="http://schemas.microsoft.com/office/drawing/2014/main" id="{A6138D60-57B1-9186-448E-D32DCBC322EE}"/>
+                <a16:creationId xmlns:a16="http://schemas.microsoft.com/office/drawing/2014/main" id="{18FFA24F-37C2-836A-B854-30CA91D53EB9}"/>
               </a:ext>
             </a:extLst>
           </p:cNvPr>
@@ -2715,7 +2715,7 @@
           <a:bodyPr/>
           <a:lstStyle/>
           <a:p>
-            <a:fld id="{F20B7E82-4AB4-441E-B17B-3EE15B1F1F59}" type="slidenum">
+            <a:fld id="{2FEC9D62-84DC-4DB2-A039-70E031D923C1}" type="slidenum">
               <a:rPr lang="zh-CN" altLang="en-US" smtClean="0"/>
               <a:t>‹#›</a:t>
             </a:fld>
@@ -2726,7 +2726,7 @@
     </p:spTree>
     <p:extLst>
       <p:ext uri="{BB962C8B-B14F-4D97-AF65-F5344CB8AC3E}">
-        <p14:creationId xmlns:p14="http://schemas.microsoft.com/office/powerpoint/2010/main" val="2700075117"/>
+        <p14:creationId xmlns:p14="http://schemas.microsoft.com/office/powerpoint/2010/main" val="2701165726"/>
       </p:ext>
     </p:extLst>
   </p:cSld>
@@ -2763,7 +2763,7 @@
           <p:cNvPr id="2" name="标题占位符 1">
             <a:extLst>
               <a:ext uri="{FF2B5EF4-FFF2-40B4-BE49-F238E27FC236}">
-                <a16:creationId xmlns:a16="http://schemas.microsoft.com/office/drawing/2014/main" id="{A5BD959F-D970-BADF-8CF9-59309D492F7C}"/>
+                <a16:creationId xmlns:a16="http://schemas.microsoft.com/office/drawing/2014/main" id="{B6F7CD9E-86BD-C201-25B5-F78EA4A04084}"/>
               </a:ext>
             </a:extLst>
           </p:cNvPr>
@@ -2801,7 +2801,7 @@
           <p:cNvPr id="3" name="文本占位符 2">
             <a:extLst>
               <a:ext uri="{FF2B5EF4-FFF2-40B4-BE49-F238E27FC236}">
-                <a16:creationId xmlns:a16="http://schemas.microsoft.com/office/drawing/2014/main" id="{C8625D8C-F9E1-284B-AAF2-3B46FEECD0F3}"/>
+                <a16:creationId xmlns:a16="http://schemas.microsoft.com/office/drawing/2014/main" id="{DE1693BE-D6EB-4320-F807-22FF17B1DF7B}"/>
               </a:ext>
             </a:extLst>
           </p:cNvPr>
@@ -2868,7 +2868,7 @@
           <p:cNvPr id="4" name="日期占位符 3">
             <a:extLst>
               <a:ext uri="{FF2B5EF4-FFF2-40B4-BE49-F238E27FC236}">
-                <a16:creationId xmlns:a16="http://schemas.microsoft.com/office/drawing/2014/main" id="{40DF3858-1D20-E94F-FEF6-2E5A757B620B}"/>
+                <a16:creationId xmlns:a16="http://schemas.microsoft.com/office/drawing/2014/main" id="{F462B196-7734-C845-F0C6-A5F2FADFF582}"/>
               </a:ext>
             </a:extLst>
           </p:cNvPr>
@@ -2902,7 +2902,7 @@
             </a:lvl1pPr>
           </a:lstStyle>
           <a:p>
-            <a:fld id="{02C9FE2E-61FD-42D3-B397-4C007C15D8F9}" type="datetimeFigureOut">
+            <a:fld id="{15FFE01E-7363-41E5-8F76-B9684F44CB52}" type="datetimeFigureOut">
               <a:rPr lang="zh-CN" altLang="en-US" smtClean="0"/>
               <a:t>2024/3/10</a:t>
             </a:fld>
@@ -2915,7 +2915,7 @@
           <p:cNvPr id="5" name="页脚占位符 4">
             <a:extLst>
               <a:ext uri="{FF2B5EF4-FFF2-40B4-BE49-F238E27FC236}">
-                <a16:creationId xmlns:a16="http://schemas.microsoft.com/office/drawing/2014/main" id="{5F02D8F3-F2A0-89E5-4086-6D3DA625EB81}"/>
+                <a16:creationId xmlns:a16="http://schemas.microsoft.com/office/drawing/2014/main" id="{6E22BABA-4DD3-EA76-F1D1-507A7E65BF14}"/>
               </a:ext>
             </a:extLst>
           </p:cNvPr>
@@ -2958,7 +2958,7 @@
           <p:cNvPr id="6" name="灯片编号占位符 5">
             <a:extLst>
               <a:ext uri="{FF2B5EF4-FFF2-40B4-BE49-F238E27FC236}">
-                <a16:creationId xmlns:a16="http://schemas.microsoft.com/office/drawing/2014/main" id="{09CD77C6-3645-D347-12C9-56FE80CC6604}"/>
+                <a16:creationId xmlns:a16="http://schemas.microsoft.com/office/drawing/2014/main" id="{6AB99502-F3BA-44A3-1D8A-36C2F1EC9FD8}"/>
               </a:ext>
             </a:extLst>
           </p:cNvPr>
@@ -2992,7 +2992,7 @@
             </a:lvl1pPr>
           </a:lstStyle>
           <a:p>
-            <a:fld id="{F20B7E82-4AB4-441E-B17B-3EE15B1F1F59}" type="slidenum">
+            <a:fld id="{2FEC9D62-84DC-4DB2-A039-70E031D923C1}" type="slidenum">
               <a:rPr lang="zh-CN" altLang="en-US" smtClean="0"/>
               <a:t>‹#›</a:t>
             </a:fld>
@@ -3003,7 +3003,7 @@
     </p:spTree>
     <p:extLst>
       <p:ext uri="{BB962C8B-B14F-4D97-AF65-F5344CB8AC3E}">
-        <p14:creationId xmlns:p14="http://schemas.microsoft.com/office/powerpoint/2010/main" val="476430040"/>
+        <p14:creationId xmlns:p14="http://schemas.microsoft.com/office/powerpoint/2010/main" val="1816648682"/>
       </p:ext>
     </p:extLst>
   </p:cSld>
